--- a/presentation/GRRAS.pptx
+++ b/presentation/GRRAS.pptx
@@ -300,7 +300,8 @@
           <a:p>
             <a:fld id="{6F365474-BE12-4355-B1D3-AF70052B97A6}" type="datetimeFigureOut">
               <a:rPr lang="en-US" smtClean="0"/>
-              <a:t>7/4/2020</a:t>
+              <a:pPr/>
+              <a:t>7/7/2020</a:t>
             </a:fld>
             <a:endParaRPr lang="en-US"/>
           </a:p>
@@ -342,6 +343,7 @@
           <a:p>
             <a:fld id="{AA2DAF58-EA3D-4E0C-BCBE-2C088E3EE3AB}" type="slidenum">
               <a:rPr lang="en-US" smtClean="0"/>
+              <a:pPr/>
               <a:t>‹#›</a:t>
             </a:fld>
             <a:endParaRPr lang="en-US"/>
@@ -465,7 +467,8 @@
           <a:p>
             <a:fld id="{6F365474-BE12-4355-B1D3-AF70052B97A6}" type="datetimeFigureOut">
               <a:rPr lang="en-US" smtClean="0"/>
-              <a:t>7/4/2020</a:t>
+              <a:pPr/>
+              <a:t>7/7/2020</a:t>
             </a:fld>
             <a:endParaRPr lang="en-US"/>
           </a:p>
@@ -507,6 +510,7 @@
           <a:p>
             <a:fld id="{AA2DAF58-EA3D-4E0C-BCBE-2C088E3EE3AB}" type="slidenum">
               <a:rPr lang="en-US" smtClean="0"/>
+              <a:pPr/>
               <a:t>‹#›</a:t>
             </a:fld>
             <a:endParaRPr lang="en-US"/>
@@ -640,7 +644,8 @@
           <a:p>
             <a:fld id="{6F365474-BE12-4355-B1D3-AF70052B97A6}" type="datetimeFigureOut">
               <a:rPr lang="en-US" smtClean="0"/>
-              <a:t>7/4/2020</a:t>
+              <a:pPr/>
+              <a:t>7/7/2020</a:t>
             </a:fld>
             <a:endParaRPr lang="en-US"/>
           </a:p>
@@ -682,6 +687,7 @@
           <a:p>
             <a:fld id="{AA2DAF58-EA3D-4E0C-BCBE-2C088E3EE3AB}" type="slidenum">
               <a:rPr lang="en-US" smtClean="0"/>
+              <a:pPr/>
               <a:t>‹#›</a:t>
             </a:fld>
             <a:endParaRPr lang="en-US"/>
@@ -805,7 +811,8 @@
           <a:p>
             <a:fld id="{6F365474-BE12-4355-B1D3-AF70052B97A6}" type="datetimeFigureOut">
               <a:rPr lang="en-US" smtClean="0"/>
-              <a:t>7/4/2020</a:t>
+              <a:pPr/>
+              <a:t>7/7/2020</a:t>
             </a:fld>
             <a:endParaRPr lang="en-US"/>
           </a:p>
@@ -847,6 +854,7 @@
           <a:p>
             <a:fld id="{AA2DAF58-EA3D-4E0C-BCBE-2C088E3EE3AB}" type="slidenum">
               <a:rPr lang="en-US" smtClean="0"/>
+              <a:pPr/>
               <a:t>‹#›</a:t>
             </a:fld>
             <a:endParaRPr lang="en-US"/>
@@ -1046,7 +1054,8 @@
           <a:p>
             <a:fld id="{6F365474-BE12-4355-B1D3-AF70052B97A6}" type="datetimeFigureOut">
               <a:rPr lang="en-US" smtClean="0"/>
-              <a:t>7/4/2020</a:t>
+              <a:pPr/>
+              <a:t>7/7/2020</a:t>
             </a:fld>
             <a:endParaRPr lang="en-US"/>
           </a:p>
@@ -1088,6 +1097,7 @@
           <a:p>
             <a:fld id="{AA2DAF58-EA3D-4E0C-BCBE-2C088E3EE3AB}" type="slidenum">
               <a:rPr lang="en-US" smtClean="0"/>
+              <a:pPr/>
               <a:t>‹#›</a:t>
             </a:fld>
             <a:endParaRPr lang="en-US"/>
@@ -1329,7 +1339,8 @@
           <a:p>
             <a:fld id="{6F365474-BE12-4355-B1D3-AF70052B97A6}" type="datetimeFigureOut">
               <a:rPr lang="en-US" smtClean="0"/>
-              <a:t>7/4/2020</a:t>
+              <a:pPr/>
+              <a:t>7/7/2020</a:t>
             </a:fld>
             <a:endParaRPr lang="en-US"/>
           </a:p>
@@ -1371,6 +1382,7 @@
           <a:p>
             <a:fld id="{AA2DAF58-EA3D-4E0C-BCBE-2C088E3EE3AB}" type="slidenum">
               <a:rPr lang="en-US" smtClean="0"/>
+              <a:pPr/>
               <a:t>‹#›</a:t>
             </a:fld>
             <a:endParaRPr lang="en-US"/>
@@ -1746,7 +1758,8 @@
           <a:p>
             <a:fld id="{6F365474-BE12-4355-B1D3-AF70052B97A6}" type="datetimeFigureOut">
               <a:rPr lang="en-US" smtClean="0"/>
-              <a:t>7/4/2020</a:t>
+              <a:pPr/>
+              <a:t>7/7/2020</a:t>
             </a:fld>
             <a:endParaRPr lang="en-US"/>
           </a:p>
@@ -1788,6 +1801,7 @@
           <a:p>
             <a:fld id="{AA2DAF58-EA3D-4E0C-BCBE-2C088E3EE3AB}" type="slidenum">
               <a:rPr lang="en-US" smtClean="0"/>
+              <a:pPr/>
               <a:t>‹#›</a:t>
             </a:fld>
             <a:endParaRPr lang="en-US"/>
@@ -1859,7 +1873,8 @@
           <a:p>
             <a:fld id="{6F365474-BE12-4355-B1D3-AF70052B97A6}" type="datetimeFigureOut">
               <a:rPr lang="en-US" smtClean="0"/>
-              <a:t>7/4/2020</a:t>
+              <a:pPr/>
+              <a:t>7/7/2020</a:t>
             </a:fld>
             <a:endParaRPr lang="en-US"/>
           </a:p>
@@ -1901,6 +1916,7 @@
           <a:p>
             <a:fld id="{AA2DAF58-EA3D-4E0C-BCBE-2C088E3EE3AB}" type="slidenum">
               <a:rPr lang="en-US" smtClean="0"/>
+              <a:pPr/>
               <a:t>‹#›</a:t>
             </a:fld>
             <a:endParaRPr lang="en-US"/>
@@ -1949,7 +1965,8 @@
           <a:p>
             <a:fld id="{6F365474-BE12-4355-B1D3-AF70052B97A6}" type="datetimeFigureOut">
               <a:rPr lang="en-US" smtClean="0"/>
-              <a:t>7/4/2020</a:t>
+              <a:pPr/>
+              <a:t>7/7/2020</a:t>
             </a:fld>
             <a:endParaRPr lang="en-US"/>
           </a:p>
@@ -1991,6 +2008,7 @@
           <a:p>
             <a:fld id="{AA2DAF58-EA3D-4E0C-BCBE-2C088E3EE3AB}" type="slidenum">
               <a:rPr lang="en-US" smtClean="0"/>
+              <a:pPr/>
               <a:t>‹#›</a:t>
             </a:fld>
             <a:endParaRPr lang="en-US"/>
@@ -2221,7 +2239,8 @@
           <a:p>
             <a:fld id="{6F365474-BE12-4355-B1D3-AF70052B97A6}" type="datetimeFigureOut">
               <a:rPr lang="en-US" smtClean="0"/>
-              <a:t>7/4/2020</a:t>
+              <a:pPr/>
+              <a:t>7/7/2020</a:t>
             </a:fld>
             <a:endParaRPr lang="en-US"/>
           </a:p>
@@ -2263,6 +2282,7 @@
           <a:p>
             <a:fld id="{AA2DAF58-EA3D-4E0C-BCBE-2C088E3EE3AB}" type="slidenum">
               <a:rPr lang="en-US" smtClean="0"/>
+              <a:pPr/>
               <a:t>‹#›</a:t>
             </a:fld>
             <a:endParaRPr lang="en-US"/>
@@ -2469,7 +2489,8 @@
           <a:p>
             <a:fld id="{6F365474-BE12-4355-B1D3-AF70052B97A6}" type="datetimeFigureOut">
               <a:rPr lang="en-US" smtClean="0"/>
-              <a:t>7/4/2020</a:t>
+              <a:pPr/>
+              <a:t>7/7/2020</a:t>
             </a:fld>
             <a:endParaRPr lang="en-US"/>
           </a:p>
@@ -2511,6 +2532,7 @@
           <a:p>
             <a:fld id="{AA2DAF58-EA3D-4E0C-BCBE-2C088E3EE3AB}" type="slidenum">
               <a:rPr lang="en-US" smtClean="0"/>
+              <a:pPr/>
               <a:t>‹#›</a:t>
             </a:fld>
             <a:endParaRPr lang="en-US"/>
@@ -2686,7 +2708,8 @@
           <a:p>
             <a:fld id="{6F365474-BE12-4355-B1D3-AF70052B97A6}" type="datetimeFigureOut">
               <a:rPr lang="en-US" smtClean="0"/>
-              <a:t>7/4/2020</a:t>
+              <a:pPr/>
+              <a:t>7/7/2020</a:t>
             </a:fld>
             <a:endParaRPr lang="en-US"/>
           </a:p>
@@ -2764,6 +2787,7 @@
           <a:p>
             <a:fld id="{AA2DAF58-EA3D-4E0C-BCBE-2C088E3EE3AB}" type="slidenum">
               <a:rPr lang="en-US" smtClean="0"/>
+              <a:pPr/>
               <a:t>‹#›</a:t>
             </a:fld>
             <a:endParaRPr lang="en-US"/>
@@ -3723,6 +3747,267 @@
           </a:p>
         </p:txBody>
       </p:sp>
+      <p:sp>
+        <p:nvSpPr>
+          <p:cNvPr id="4" name="Title 1"/>
+          <p:cNvSpPr txBox="1">
+            <a:spLocks/>
+          </p:cNvSpPr>
+          <p:nvPr/>
+        </p:nvSpPr>
+        <p:spPr>
+          <a:xfrm>
+            <a:off x="-228600" y="2971800"/>
+            <a:ext cx="8229600" cy="1143000"/>
+          </a:xfrm>
+          <a:prstGeom prst="rect">
+            <a:avLst/>
+          </a:prstGeom>
+        </p:spPr>
+        <p:txBody>
+          <a:bodyPr vert="horz" lIns="91440" tIns="45720" rIns="91440" bIns="45720" rtlCol="0" anchor="ctr">
+            <a:normAutofit/>
+          </a:bodyPr>
+          <a:lstStyle/>
+          <a:p>
+            <a:pPr marL="0" marR="0" lvl="0" indent="0" algn="ctr" defTabSz="914400" rtl="0" eaLnBrk="1" fontAlgn="auto" latinLnBrk="0" hangingPunct="1">
+              <a:lnSpc>
+                <a:spcPct val="100000"/>
+              </a:lnSpc>
+              <a:spcBef>
+                <a:spcPct val="0"/>
+              </a:spcBef>
+              <a:spcAft>
+                <a:spcPts val="0"/>
+              </a:spcAft>
+              <a:buClrTx/>
+              <a:buSzTx/>
+              <a:buFontTx/>
+              <a:buNone/>
+              <a:tabLst/>
+              <a:defRPr/>
+            </a:pPr>
+            <a:r>
+              <a:rPr kumimoji="0" lang="en-US" sz="4400" b="1" i="0" u="none" strike="noStrike" kern="1200" cap="none" spc="300" normalizeH="0" baseline="0" noProof="0" dirty="0" smtClean="0">
+                <a:ln>
+                  <a:noFill/>
+                </a:ln>
+                <a:solidFill>
+                  <a:schemeClr val="bg1"/>
+                </a:solidFill>
+                <a:effectLst/>
+                <a:uLnTx/>
+                <a:uFillTx/>
+                <a:latin typeface="+mj-lt"/>
+                <a:ea typeface="+mj-ea"/>
+                <a:cs typeface="+mj-cs"/>
+              </a:rPr>
+              <a:t>Guide</a:t>
+            </a:r>
+            <a:r>
+              <a:rPr lang="en-US" sz="4400" b="1" spc="300" dirty="0" smtClean="0">
+                <a:solidFill>
+                  <a:schemeClr val="bg1"/>
+                </a:solidFill>
+                <a:latin typeface="+mj-lt"/>
+                <a:ea typeface="+mj-ea"/>
+                <a:cs typeface="+mj-cs"/>
+              </a:rPr>
+              <a:t> </a:t>
+            </a:r>
+            <a:r>
+              <a:rPr lang="en-US" sz="4400" b="1" spc="300" dirty="0" smtClean="0">
+                <a:solidFill>
+                  <a:schemeClr val="bg1"/>
+                </a:solidFill>
+                <a:latin typeface="+mj-lt"/>
+                <a:ea typeface="+mj-ea"/>
+                <a:cs typeface="+mj-cs"/>
+              </a:rPr>
+              <a:t>Names</a:t>
+            </a:r>
+            <a:endParaRPr kumimoji="0" lang="en-US" sz="4400" b="1" i="0" u="none" strike="noStrike" kern="1200" cap="none" spc="300" normalizeH="0" baseline="0" noProof="0" dirty="0">
+              <a:ln>
+                <a:noFill/>
+              </a:ln>
+              <a:solidFill>
+                <a:schemeClr val="bg1"/>
+              </a:solidFill>
+              <a:effectLst/>
+              <a:uLnTx/>
+              <a:uFillTx/>
+              <a:latin typeface="+mj-lt"/>
+              <a:ea typeface="+mj-ea"/>
+              <a:cs typeface="+mj-cs"/>
+            </a:endParaRPr>
+          </a:p>
+        </p:txBody>
+      </p:sp>
+      <p:sp>
+        <p:nvSpPr>
+          <p:cNvPr id="5" name="Content Placeholder 2"/>
+          <p:cNvSpPr txBox="1">
+            <a:spLocks/>
+          </p:cNvSpPr>
+          <p:nvPr/>
+        </p:nvSpPr>
+        <p:spPr>
+          <a:xfrm>
+            <a:off x="2133600" y="3962401"/>
+            <a:ext cx="4953000" cy="2286000"/>
+          </a:xfrm>
+          <a:prstGeom prst="rect">
+            <a:avLst/>
+          </a:prstGeom>
+        </p:spPr>
+        <p:txBody>
+          <a:bodyPr vert="horz" lIns="91440" tIns="45720" rIns="91440" bIns="45720" rtlCol="0">
+            <a:normAutofit/>
+          </a:bodyPr>
+          <a:lstStyle/>
+          <a:p>
+            <a:pPr marL="342900" marR="0" lvl="0" indent="-342900" algn="l" defTabSz="914400" rtl="0" eaLnBrk="1" fontAlgn="auto" latinLnBrk="0" hangingPunct="1">
+              <a:lnSpc>
+                <a:spcPct val="100000"/>
+              </a:lnSpc>
+              <a:spcBef>
+                <a:spcPct val="20000"/>
+              </a:spcBef>
+              <a:spcAft>
+                <a:spcPts val="0"/>
+              </a:spcAft>
+              <a:buClrTx/>
+              <a:buSzTx/>
+              <a:buFont typeface="Wingdings" pitchFamily="2" charset="2"/>
+              <a:buChar char="Ø"/>
+              <a:tabLst/>
+              <a:defRPr/>
+            </a:pPr>
+            <a:r>
+              <a:rPr kumimoji="0" lang="en-US" sz="3200" b="1" i="0" u="none" strike="noStrike" kern="1200" cap="none" spc="300" normalizeH="0" baseline="0" noProof="0" dirty="0" smtClean="0">
+                <a:ln>
+                  <a:noFill/>
+                </a:ln>
+                <a:solidFill>
+                  <a:schemeClr val="bg1"/>
+                </a:solidFill>
+                <a:effectLst/>
+                <a:uLnTx/>
+                <a:uFillTx/>
+                <a:latin typeface="+mn-lt"/>
+                <a:ea typeface="+mn-ea"/>
+                <a:cs typeface="+mn-cs"/>
+              </a:rPr>
+              <a:t>Mr. Sanjay</a:t>
+            </a:r>
+            <a:r>
+              <a:rPr kumimoji="0" lang="en-US" sz="3200" b="1" i="0" u="none" strike="noStrike" kern="1200" cap="none" spc="300" normalizeH="0" noProof="0" dirty="0" smtClean="0">
+                <a:ln>
+                  <a:noFill/>
+                </a:ln>
+                <a:solidFill>
+                  <a:schemeClr val="bg1"/>
+                </a:solidFill>
+                <a:effectLst/>
+                <a:uLnTx/>
+                <a:uFillTx/>
+                <a:latin typeface="+mn-lt"/>
+                <a:ea typeface="+mn-ea"/>
+                <a:cs typeface="+mn-cs"/>
+              </a:rPr>
+              <a:t> </a:t>
+            </a:r>
+            <a:r>
+              <a:rPr kumimoji="0" lang="en-US" sz="3200" b="1" i="0" u="none" strike="noStrike" kern="1200" cap="none" spc="300" normalizeH="0" noProof="0" dirty="0" err="1" smtClean="0">
+                <a:ln>
+                  <a:noFill/>
+                </a:ln>
+                <a:solidFill>
+                  <a:schemeClr val="bg1"/>
+                </a:solidFill>
+                <a:effectLst/>
+                <a:uLnTx/>
+                <a:uFillTx/>
+                <a:latin typeface="+mn-lt"/>
+                <a:ea typeface="+mn-ea"/>
+                <a:cs typeface="+mn-cs"/>
+              </a:rPr>
+              <a:t>Rathore</a:t>
+            </a:r>
+            <a:endParaRPr kumimoji="0" lang="en-US" sz="3200" b="1" i="0" u="none" strike="noStrike" kern="1200" cap="none" spc="300" normalizeH="0" baseline="0" noProof="0" dirty="0" smtClean="0">
+              <a:ln>
+                <a:noFill/>
+              </a:ln>
+              <a:solidFill>
+                <a:schemeClr val="bg1"/>
+              </a:solidFill>
+              <a:effectLst/>
+              <a:uLnTx/>
+              <a:uFillTx/>
+              <a:latin typeface="+mn-lt"/>
+              <a:ea typeface="+mn-ea"/>
+              <a:cs typeface="+mn-cs"/>
+            </a:endParaRPr>
+          </a:p>
+          <a:p>
+            <a:pPr marL="342900" marR="0" lvl="0" indent="-342900" algn="l" defTabSz="914400" rtl="0" eaLnBrk="1" fontAlgn="auto" latinLnBrk="0" hangingPunct="1">
+              <a:lnSpc>
+                <a:spcPct val="100000"/>
+              </a:lnSpc>
+              <a:spcBef>
+                <a:spcPct val="20000"/>
+              </a:spcBef>
+              <a:spcAft>
+                <a:spcPts val="0"/>
+              </a:spcAft>
+              <a:buClrTx/>
+              <a:buSzTx/>
+              <a:buFont typeface="Wingdings" pitchFamily="2" charset="2"/>
+              <a:buChar char="Ø"/>
+              <a:tabLst/>
+              <a:defRPr/>
+            </a:pPr>
+            <a:r>
+              <a:rPr lang="en-US" sz="3200" b="1" spc="300" dirty="0" smtClean="0">
+                <a:solidFill>
+                  <a:schemeClr val="bg1"/>
+                </a:solidFill>
+              </a:rPr>
+              <a:t>Mr. </a:t>
+            </a:r>
+            <a:r>
+              <a:rPr lang="en-US" sz="3200" b="1" spc="300" dirty="0" err="1" smtClean="0">
+                <a:solidFill>
+                  <a:schemeClr val="bg1"/>
+                </a:solidFill>
+              </a:rPr>
+              <a:t>Ankush</a:t>
+            </a:r>
+            <a:r>
+              <a:rPr lang="en-US" sz="3200" b="1" spc="300" dirty="0" smtClean="0">
+                <a:solidFill>
+                  <a:schemeClr val="bg1"/>
+                </a:solidFill>
+              </a:rPr>
+              <a:t> Sharma</a:t>
+            </a:r>
+            <a:endParaRPr kumimoji="0" lang="en-US" sz="3200" b="1" i="0" u="none" strike="noStrike" kern="1200" cap="none" spc="300" normalizeH="0" baseline="0" noProof="0" dirty="0" smtClean="0">
+              <a:ln>
+                <a:noFill/>
+              </a:ln>
+              <a:solidFill>
+                <a:schemeClr val="bg1"/>
+              </a:solidFill>
+              <a:effectLst/>
+              <a:uLnTx/>
+              <a:uFillTx/>
+              <a:latin typeface="+mn-lt"/>
+              <a:ea typeface="+mn-ea"/>
+              <a:cs typeface="+mn-cs"/>
+            </a:endParaRPr>
+          </a:p>
+        </p:txBody>
+      </p:sp>
     </p:spTree>
   </p:cSld>
   <p:clrMapOvr>
@@ -5157,16 +5442,7 @@
                   <a:schemeClr val="bg1"/>
                 </a:solidFill>
               </a:rPr>
-              <a:t>For </a:t>
-            </a:r>
-            <a:r>
-              <a:rPr lang="en-IN" sz="3200" b="1" dirty="0" smtClean="0">
-                <a:ln w="0"/>
-                <a:solidFill>
-                  <a:schemeClr val="bg1"/>
-                </a:solidFill>
-              </a:rPr>
-              <a:t>SHARING</a:t>
+              <a:t>For SHARING</a:t>
             </a:r>
             <a:endParaRPr lang="en-IN" sz="2600" b="1" dirty="0" smtClean="0">
               <a:ln w="0"/>
